--- a/presentations/source/000master.pptx
+++ b/presentations/source/000master.pptx
@@ -5,8 +5,11 @@
     <p:sldMasterId id="2147483648" r:id="rId1"/>
   </p:sldMasterIdLst>
   <p:notesMasterIdLst>
-    <p:notesMasterId r:id="rId2"/>
+    <p:notesMasterId r:id="rId3"/>
   </p:notesMasterIdLst>
+  <p:sldIdLst>
+    <p:sldId id="256" r:id="rId2"/>
+  </p:sldIdLst>
   <p:sldSz cx="9144000" cy="6858000" type="screen4x3"/>
   <p:notesSz cx="6858000" cy="9144000"/>
   <p:defaultTextStyle>
@@ -194,7 +197,7 @@
             <a:fld id="{7307762F-A706-E543-A832-3C298AA3103F}" type="datetimeFigureOut">
               <a:rPr lang="en-US" smtClean="0"/>
               <a:pPr/>
-              <a:t>07/12/2012</a:t>
+              <a:t>11/21/14</a:t>
             </a:fld>
             <a:endParaRPr lang="en-US" dirty="0"/>
           </a:p>
@@ -761,7 +764,7 @@
           <a:p>
             <a:fld id="{875CF0EB-321F-0749-B37A-89BBA859503C}" type="datetimeFigureOut">
               <a:rPr lang="en-US" smtClean="0"/>
-              <a:t>07/12/2012</a:t>
+              <a:t>11/21/14</a:t>
             </a:fld>
             <a:endParaRPr lang="en-US"/>
           </a:p>
@@ -965,7 +968,7 @@
           <a:p>
             <a:fld id="{875CF0EB-321F-0749-B37A-89BBA859503C}" type="datetimeFigureOut">
               <a:rPr lang="en-US" smtClean="0"/>
-              <a:t>07/12/2012</a:t>
+              <a:t>11/21/14</a:t>
             </a:fld>
             <a:endParaRPr lang="en-US"/>
           </a:p>
@@ -1159,7 +1162,7 @@
           <a:p>
             <a:fld id="{875CF0EB-321F-0749-B37A-89BBA859503C}" type="datetimeFigureOut">
               <a:rPr lang="en-US" smtClean="0"/>
-              <a:t>07/12/2012</a:t>
+              <a:t>11/21/14</a:t>
             </a:fld>
             <a:endParaRPr lang="en-US"/>
           </a:p>
@@ -1429,7 +1432,7 @@
           <a:p>
             <a:fld id="{875CF0EB-321F-0749-B37A-89BBA859503C}" type="datetimeFigureOut">
               <a:rPr lang="en-US" smtClean="0"/>
-              <a:t>07/12/2012</a:t>
+              <a:t>11/21/14</a:t>
             </a:fld>
             <a:endParaRPr lang="en-US"/>
           </a:p>
@@ -1741,7 +1744,7 @@
           <a:p>
             <a:fld id="{875CF0EB-321F-0749-B37A-89BBA859503C}" type="datetimeFigureOut">
               <a:rPr lang="en-US" smtClean="0"/>
-              <a:t>07/12/2012</a:t>
+              <a:t>11/21/14</a:t>
             </a:fld>
             <a:endParaRPr lang="en-US"/>
           </a:p>
@@ -2187,7 +2190,7 @@
           <a:p>
             <a:fld id="{875CF0EB-321F-0749-B37A-89BBA859503C}" type="datetimeFigureOut">
               <a:rPr lang="en-US" smtClean="0"/>
-              <a:t>07/12/2012</a:t>
+              <a:t>11/21/14</a:t>
             </a:fld>
             <a:endParaRPr lang="en-US"/>
           </a:p>
@@ -2329,7 +2332,7 @@
           <a:p>
             <a:fld id="{875CF0EB-321F-0749-B37A-89BBA859503C}" type="datetimeFigureOut">
               <a:rPr lang="en-US" smtClean="0"/>
-              <a:t>07/12/2012</a:t>
+              <a:t>11/21/14</a:t>
             </a:fld>
             <a:endParaRPr lang="en-US"/>
           </a:p>
@@ -2448,7 +2451,7 @@
           <a:p>
             <a:fld id="{875CF0EB-321F-0749-B37A-89BBA859503C}" type="datetimeFigureOut">
               <a:rPr lang="en-US" smtClean="0"/>
-              <a:t>07/12/2012</a:t>
+              <a:t>11/21/14</a:t>
             </a:fld>
             <a:endParaRPr lang="en-US"/>
           </a:p>
@@ -2749,7 +2752,7 @@
           <a:p>
             <a:fld id="{875CF0EB-321F-0749-B37A-89BBA859503C}" type="datetimeFigureOut">
               <a:rPr lang="en-US" smtClean="0"/>
-              <a:t>07/12/2012</a:t>
+              <a:t>11/21/14</a:t>
             </a:fld>
             <a:endParaRPr lang="en-US"/>
           </a:p>
@@ -3026,7 +3029,7 @@
           <a:p>
             <a:fld id="{875CF0EB-321F-0749-B37A-89BBA859503C}" type="datetimeFigureOut">
               <a:rPr lang="en-US" smtClean="0"/>
-              <a:t>07/12/2012</a:t>
+              <a:t>11/21/14</a:t>
             </a:fld>
             <a:endParaRPr lang="en-US"/>
           </a:p>
@@ -3406,7 +3409,25 @@
               <a:rPr lang="en-US" sz="1000" dirty="0" smtClean="0">
                 <a:latin typeface="Calisto MT"/>
               </a:rPr>
-              <a:t>© Paul Fremantle 2012.  Portions © Jeremy Gibbons 2010, © WSO2 2005-2012 used with permission of the author(s).</a:t>
+              <a:t>© Paul </a:t>
+            </a:r>
+            <a:r>
+              <a:rPr lang="en-US" sz="1000" smtClean="0">
+                <a:latin typeface="Calisto MT"/>
+              </a:rPr>
+              <a:t>Fremantle </a:t>
+            </a:r>
+            <a:r>
+              <a:rPr lang="en-US" sz="1000" smtClean="0">
+                <a:latin typeface="Calisto MT"/>
+              </a:rPr>
+              <a:t>2014. </a:t>
+            </a:r>
+            <a:r>
+              <a:rPr lang="en-US" sz="1000" dirty="0" smtClean="0">
+                <a:latin typeface="Calisto MT"/>
+              </a:rPr>
+              <a:t> Portions © Jeremy Gibbons 2010, © WSO2 2005-2012 used with permission of the author(s).</a:t>
             </a:r>
           </a:p>
           <a:p>
@@ -3792,6 +3813,74 @@
     </p:otherStyle>
   </p:txStyles>
 </p:sldMaster>
+</file>
+
+<file path=ppt/slides/slide1.xml><?xml version="1.0" encoding="utf-8"?>
+<p:sld xmlns:a="http://schemas.openxmlformats.org/drawingml/2006/main" xmlns:r="http://schemas.openxmlformats.org/officeDocument/2006/relationships" xmlns:p="http://schemas.openxmlformats.org/presentationml/2006/main">
+  <p:cSld>
+    <p:spTree>
+      <p:nvGrpSpPr>
+        <p:cNvPr id="1" name=""/>
+        <p:cNvGrpSpPr/>
+        <p:nvPr/>
+      </p:nvGrpSpPr>
+      <p:grpSpPr>
+        <a:xfrm>
+          <a:off x="0" y="0"/>
+          <a:ext cx="0" cy="0"/>
+          <a:chOff x="0" y="0"/>
+          <a:chExt cx="0" cy="0"/>
+        </a:xfrm>
+      </p:grpSpPr>
+      <p:sp>
+        <p:nvSpPr>
+          <p:cNvPr id="2" name="Title 1"/>
+          <p:cNvSpPr>
+            <a:spLocks noGrp="1"/>
+          </p:cNvSpPr>
+          <p:nvPr>
+            <p:ph type="ctrTitle"/>
+          </p:nvPr>
+        </p:nvSpPr>
+        <p:spPr/>
+        <p:txBody>
+          <a:bodyPr/>
+          <a:lstStyle/>
+          <a:p>
+            <a:endParaRPr lang="en-US"/>
+          </a:p>
+        </p:txBody>
+      </p:sp>
+      <p:sp>
+        <p:nvSpPr>
+          <p:cNvPr id="3" name="Subtitle 2"/>
+          <p:cNvSpPr>
+            <a:spLocks noGrp="1"/>
+          </p:cNvSpPr>
+          <p:nvPr>
+            <p:ph type="subTitle" idx="1"/>
+          </p:nvPr>
+        </p:nvSpPr>
+        <p:spPr/>
+        <p:txBody>
+          <a:bodyPr/>
+          <a:lstStyle/>
+          <a:p>
+            <a:endParaRPr lang="en-US"/>
+          </a:p>
+        </p:txBody>
+      </p:sp>
+    </p:spTree>
+    <p:extLst>
+      <p:ext uri="{BB962C8B-B14F-4D97-AF65-F5344CB8AC3E}">
+        <p14:creationId xmlns:p14="http://schemas.microsoft.com/office/powerpoint/2010/main" val="2980986117"/>
+      </p:ext>
+    </p:extLst>
+  </p:cSld>
+  <p:clrMapOvr>
+    <a:masterClrMapping/>
+  </p:clrMapOvr>
+</p:sld>
 </file>
 
 <file path=ppt/theme/theme1.xml><?xml version="1.0" encoding="utf-8"?>
